--- a/Niko_Cloud Breach_0114까지/Cloud Breach.pptx
+++ b/Niko_Cloud Breach_0114까지/Cloud Breach.pptx
@@ -256,7 +256,7 @@
           <a:p>
             <a:fld id="{00896B9A-58E5-4E94-B12F-3390E22FD3FB}" type="datetimeFigureOut">
               <a:rPr lang="ko-KR" altLang="en-US" smtClean="0"/>
-              <a:t>2021-01-12</a:t>
+              <a:t>2021-01-14</a:t>
             </a:fld>
             <a:endParaRPr lang="ko-KR" altLang="en-US"/>
           </a:p>
@@ -426,7 +426,7 @@
           <a:p>
             <a:fld id="{00896B9A-58E5-4E94-B12F-3390E22FD3FB}" type="datetimeFigureOut">
               <a:rPr lang="ko-KR" altLang="en-US" smtClean="0"/>
-              <a:t>2021-01-12</a:t>
+              <a:t>2021-01-14</a:t>
             </a:fld>
             <a:endParaRPr lang="ko-KR" altLang="en-US"/>
           </a:p>
@@ -606,7 +606,7 @@
           <a:p>
             <a:fld id="{00896B9A-58E5-4E94-B12F-3390E22FD3FB}" type="datetimeFigureOut">
               <a:rPr lang="ko-KR" altLang="en-US" smtClean="0"/>
-              <a:t>2021-01-12</a:t>
+              <a:t>2021-01-14</a:t>
             </a:fld>
             <a:endParaRPr lang="ko-KR" altLang="en-US"/>
           </a:p>
@@ -776,7 +776,7 @@
           <a:p>
             <a:fld id="{00896B9A-58E5-4E94-B12F-3390E22FD3FB}" type="datetimeFigureOut">
               <a:rPr lang="ko-KR" altLang="en-US" smtClean="0"/>
-              <a:t>2021-01-12</a:t>
+              <a:t>2021-01-14</a:t>
             </a:fld>
             <a:endParaRPr lang="ko-KR" altLang="en-US"/>
           </a:p>
@@ -1022,7 +1022,7 @@
           <a:p>
             <a:fld id="{00896B9A-58E5-4E94-B12F-3390E22FD3FB}" type="datetimeFigureOut">
               <a:rPr lang="ko-KR" altLang="en-US" smtClean="0"/>
-              <a:t>2021-01-12</a:t>
+              <a:t>2021-01-14</a:t>
             </a:fld>
             <a:endParaRPr lang="ko-KR" altLang="en-US"/>
           </a:p>
@@ -1254,7 +1254,7 @@
           <a:p>
             <a:fld id="{00896B9A-58E5-4E94-B12F-3390E22FD3FB}" type="datetimeFigureOut">
               <a:rPr lang="ko-KR" altLang="en-US" smtClean="0"/>
-              <a:t>2021-01-12</a:t>
+              <a:t>2021-01-14</a:t>
             </a:fld>
             <a:endParaRPr lang="ko-KR" altLang="en-US"/>
           </a:p>
@@ -1621,7 +1621,7 @@
           <a:p>
             <a:fld id="{00896B9A-58E5-4E94-B12F-3390E22FD3FB}" type="datetimeFigureOut">
               <a:rPr lang="ko-KR" altLang="en-US" smtClean="0"/>
-              <a:t>2021-01-12</a:t>
+              <a:t>2021-01-14</a:t>
             </a:fld>
             <a:endParaRPr lang="ko-KR" altLang="en-US"/>
           </a:p>
@@ -1739,7 +1739,7 @@
           <a:p>
             <a:fld id="{00896B9A-58E5-4E94-B12F-3390E22FD3FB}" type="datetimeFigureOut">
               <a:rPr lang="ko-KR" altLang="en-US" smtClean="0"/>
-              <a:t>2021-01-12</a:t>
+              <a:t>2021-01-14</a:t>
             </a:fld>
             <a:endParaRPr lang="ko-KR" altLang="en-US"/>
           </a:p>
@@ -1834,7 +1834,7 @@
           <a:p>
             <a:fld id="{00896B9A-58E5-4E94-B12F-3390E22FD3FB}" type="datetimeFigureOut">
               <a:rPr lang="ko-KR" altLang="en-US" smtClean="0"/>
-              <a:t>2021-01-12</a:t>
+              <a:t>2021-01-14</a:t>
             </a:fld>
             <a:endParaRPr lang="ko-KR" altLang="en-US"/>
           </a:p>
@@ -2111,7 +2111,7 @@
           <a:p>
             <a:fld id="{00896B9A-58E5-4E94-B12F-3390E22FD3FB}" type="datetimeFigureOut">
               <a:rPr lang="ko-KR" altLang="en-US" smtClean="0"/>
-              <a:t>2021-01-12</a:t>
+              <a:t>2021-01-14</a:t>
             </a:fld>
             <a:endParaRPr lang="ko-KR" altLang="en-US"/>
           </a:p>
@@ -2368,7 +2368,7 @@
           <a:p>
             <a:fld id="{00896B9A-58E5-4E94-B12F-3390E22FD3FB}" type="datetimeFigureOut">
               <a:rPr lang="ko-KR" altLang="en-US" smtClean="0"/>
-              <a:t>2021-01-12</a:t>
+              <a:t>2021-01-14</a:t>
             </a:fld>
             <a:endParaRPr lang="ko-KR" altLang="en-US"/>
           </a:p>
@@ -2581,7 +2581,7 @@
           <a:p>
             <a:fld id="{00896B9A-58E5-4E94-B12F-3390E22FD3FB}" type="datetimeFigureOut">
               <a:rPr lang="ko-KR" altLang="en-US" smtClean="0"/>
-              <a:t>2021-01-12</a:t>
+              <a:t>2021-01-14</a:t>
             </a:fld>
             <a:endParaRPr lang="ko-KR" altLang="en-US"/>
           </a:p>
@@ -5347,6 +5347,268 @@
           </a:p>
         </p:txBody>
       </p:sp>
+      <p:sp>
+        <p:nvSpPr>
+          <p:cNvPr id="42" name="TextBox 41">
+            <a:extLst>
+              <a:ext uri="{FF2B5EF4-FFF2-40B4-BE49-F238E27FC236}">
+                <a16:creationId xmlns:a16="http://schemas.microsoft.com/office/drawing/2014/main" id="{DCDFB5F5-0BD2-4254-AD3B-51FDBD0A0A4D}"/>
+              </a:ext>
+            </a:extLst>
+          </p:cNvPr>
+          <p:cNvSpPr txBox="1"/>
+          <p:nvPr/>
+        </p:nvSpPr>
+        <p:spPr>
+          <a:xfrm>
+            <a:off x="3264946" y="1347931"/>
+            <a:ext cx="6096000" cy="338554"/>
+          </a:xfrm>
+          <a:prstGeom prst="rect">
+            <a:avLst/>
+          </a:prstGeom>
+          <a:noFill/>
+        </p:spPr>
+        <p:txBody>
+          <a:bodyPr wrap="square">
+            <a:spAutoFit/>
+          </a:bodyPr>
+          <a:lstStyle/>
+          <a:p>
+            <a:r>
+              <a:rPr lang="ko-KR" altLang="en-US" sz="1600" dirty="0">
+                <a:solidFill>
+                  <a:schemeClr val="bg1">
+                    <a:lumMod val="50000"/>
+                    <a:lumOff val="50000"/>
+                  </a:schemeClr>
+                </a:solidFill>
+              </a:rPr>
+              <a:t>(</a:t>
+            </a:r>
+            <a:r>
+              <a:rPr lang="ko-KR" altLang="en-US" sz="1600" dirty="0" err="1">
+                <a:solidFill>
+                  <a:schemeClr val="bg1">
+                    <a:lumMod val="50000"/>
+                    <a:lumOff val="50000"/>
+                  </a:schemeClr>
+                </a:solidFill>
+              </a:rPr>
+              <a:t>This</a:t>
+            </a:r>
+            <a:r>
+              <a:rPr lang="ko-KR" altLang="en-US" sz="1600" dirty="0">
+                <a:solidFill>
+                  <a:schemeClr val="bg1">
+                    <a:lumMod val="50000"/>
+                    <a:lumOff val="50000"/>
+                  </a:schemeClr>
+                </a:solidFill>
+              </a:rPr>
+              <a:t> </a:t>
+            </a:r>
+            <a:r>
+              <a:rPr lang="ko-KR" altLang="en-US" sz="1600" dirty="0" err="1">
+                <a:solidFill>
+                  <a:schemeClr val="bg1">
+                    <a:lumMod val="50000"/>
+                    <a:lumOff val="50000"/>
+                  </a:schemeClr>
+                </a:solidFill>
+              </a:rPr>
+              <a:t>is</a:t>
+            </a:r>
+            <a:r>
+              <a:rPr lang="ko-KR" altLang="en-US" sz="1600" dirty="0">
+                <a:solidFill>
+                  <a:schemeClr val="bg1">
+                    <a:lumMod val="50000"/>
+                    <a:lumOff val="50000"/>
+                  </a:schemeClr>
+                </a:solidFill>
+              </a:rPr>
+              <a:t> </a:t>
+            </a:r>
+            <a:r>
+              <a:rPr lang="ko-KR" altLang="en-US" sz="1600" dirty="0" err="1">
+                <a:solidFill>
+                  <a:schemeClr val="bg1">
+                    <a:lumMod val="50000"/>
+                    <a:lumOff val="50000"/>
+                  </a:schemeClr>
+                </a:solidFill>
+              </a:rPr>
+              <a:t>just</a:t>
+            </a:r>
+            <a:r>
+              <a:rPr lang="ko-KR" altLang="en-US" sz="1600" dirty="0">
+                <a:solidFill>
+                  <a:schemeClr val="bg1">
+                    <a:lumMod val="50000"/>
+                    <a:lumOff val="50000"/>
+                  </a:schemeClr>
+                </a:solidFill>
+              </a:rPr>
+              <a:t> </a:t>
+            </a:r>
+            <a:r>
+              <a:rPr lang="ko-KR" altLang="en-US" sz="1600" dirty="0" err="1">
+                <a:solidFill>
+                  <a:schemeClr val="bg1">
+                    <a:lumMod val="50000"/>
+                    <a:lumOff val="50000"/>
+                  </a:schemeClr>
+                </a:solidFill>
+              </a:rPr>
+              <a:t>example</a:t>
+            </a:r>
+            <a:r>
+              <a:rPr lang="ko-KR" altLang="en-US" sz="1600" dirty="0">
+                <a:solidFill>
+                  <a:schemeClr val="bg1">
+                    <a:lumMod val="50000"/>
+                    <a:lumOff val="50000"/>
+                  </a:schemeClr>
+                </a:solidFill>
+              </a:rPr>
+              <a:t>. </a:t>
+            </a:r>
+            <a:r>
+              <a:rPr lang="ko-KR" altLang="en-US" sz="1600" dirty="0" err="1">
+                <a:solidFill>
+                  <a:schemeClr val="bg1">
+                    <a:lumMod val="50000"/>
+                    <a:lumOff val="50000"/>
+                  </a:schemeClr>
+                </a:solidFill>
+              </a:rPr>
+              <a:t>It</a:t>
+            </a:r>
+            <a:r>
+              <a:rPr lang="ko-KR" altLang="en-US" sz="1600" dirty="0">
+                <a:solidFill>
+                  <a:schemeClr val="bg1">
+                    <a:lumMod val="50000"/>
+                    <a:lumOff val="50000"/>
+                  </a:schemeClr>
+                </a:solidFill>
+              </a:rPr>
+              <a:t> </a:t>
+            </a:r>
+            <a:r>
+              <a:rPr lang="ko-KR" altLang="en-US" sz="1600" dirty="0" err="1">
+                <a:solidFill>
+                  <a:schemeClr val="bg1">
+                    <a:lumMod val="50000"/>
+                    <a:lumOff val="50000"/>
+                  </a:schemeClr>
+                </a:solidFill>
+              </a:rPr>
+              <a:t>may</a:t>
+            </a:r>
+            <a:r>
+              <a:rPr lang="ko-KR" altLang="en-US" sz="1600" dirty="0">
+                <a:solidFill>
+                  <a:schemeClr val="bg1">
+                    <a:lumMod val="50000"/>
+                    <a:lumOff val="50000"/>
+                  </a:schemeClr>
+                </a:solidFill>
+              </a:rPr>
+              <a:t> </a:t>
+            </a:r>
+            <a:r>
+              <a:rPr lang="ko-KR" altLang="en-US" sz="1600" dirty="0" err="1">
+                <a:solidFill>
+                  <a:schemeClr val="bg1">
+                    <a:lumMod val="50000"/>
+                    <a:lumOff val="50000"/>
+                  </a:schemeClr>
+                </a:solidFill>
+              </a:rPr>
+              <a:t>differ</a:t>
+            </a:r>
+            <a:r>
+              <a:rPr lang="ko-KR" altLang="en-US" sz="1600" dirty="0">
+                <a:solidFill>
+                  <a:schemeClr val="bg1">
+                    <a:lumMod val="50000"/>
+                    <a:lumOff val="50000"/>
+                  </a:schemeClr>
+                </a:solidFill>
+              </a:rPr>
+              <a:t> </a:t>
+            </a:r>
+            <a:r>
+              <a:rPr lang="ko-KR" altLang="en-US" sz="1600" dirty="0" err="1">
+                <a:solidFill>
+                  <a:schemeClr val="bg1">
+                    <a:lumMod val="50000"/>
+                    <a:lumOff val="50000"/>
+                  </a:schemeClr>
+                </a:solidFill>
+              </a:rPr>
+              <a:t>from</a:t>
+            </a:r>
+            <a:r>
+              <a:rPr lang="ko-KR" altLang="en-US" sz="1600" dirty="0">
+                <a:solidFill>
+                  <a:schemeClr val="bg1">
+                    <a:lumMod val="50000"/>
+                    <a:lumOff val="50000"/>
+                  </a:schemeClr>
+                </a:solidFill>
+              </a:rPr>
+              <a:t> </a:t>
+            </a:r>
+            <a:r>
+              <a:rPr lang="ko-KR" altLang="en-US" sz="1600" dirty="0" err="1">
+                <a:solidFill>
+                  <a:schemeClr val="bg1">
+                    <a:lumMod val="50000"/>
+                    <a:lumOff val="50000"/>
+                  </a:schemeClr>
+                </a:solidFill>
+              </a:rPr>
+              <a:t>the</a:t>
+            </a:r>
+            <a:r>
+              <a:rPr lang="ko-KR" altLang="en-US" sz="1600" dirty="0">
+                <a:solidFill>
+                  <a:schemeClr val="bg1">
+                    <a:lumMod val="50000"/>
+                    <a:lumOff val="50000"/>
+                  </a:schemeClr>
+                </a:solidFill>
+              </a:rPr>
+              <a:t> </a:t>
+            </a:r>
+            <a:r>
+              <a:rPr lang="ko-KR" altLang="en-US" sz="1600" dirty="0" err="1">
+                <a:solidFill>
+                  <a:schemeClr val="bg1">
+                    <a:lumMod val="50000"/>
+                    <a:lumOff val="50000"/>
+                  </a:schemeClr>
+                </a:solidFill>
+              </a:rPr>
+              <a:t>actual</a:t>
+            </a:r>
+            <a:r>
+              <a:rPr lang="ko-KR" altLang="en-US" sz="1600" dirty="0">
+                <a:solidFill>
+                  <a:schemeClr val="bg1">
+                    <a:lumMod val="50000"/>
+                    <a:lumOff val="50000"/>
+                  </a:schemeClr>
+                </a:solidFill>
+              </a:rPr>
+              <a:t>.)</a:t>
+            </a:r>
+          </a:p>
+        </p:txBody>
+      </p:sp>
     </p:spTree>
     <p:extLst>
       <p:ext uri="{BB962C8B-B14F-4D97-AF65-F5344CB8AC3E}">
@@ -5357,13 +5619,13 @@
   <p:clrMapOvr>
     <a:masterClrMapping/>
   </p:clrMapOvr>
-  <mc:AlternateContent xmlns:mc="http://schemas.openxmlformats.org/markup-compatibility/2006">
-    <mc:Choice xmlns:p159="http://schemas.microsoft.com/office/powerpoint/2015/09/main" Requires="p159">
+  <mc:AlternateContent xmlns:mc="http://schemas.openxmlformats.org/markup-compatibility/2006" xmlns:p159="http://schemas.microsoft.com/office/powerpoint/2015/09/main">
+    <mc:Choice Requires="p159">
       <p:transition xmlns:p14="http://schemas.microsoft.com/office/powerpoint/2010/main" spd="slow" p14:dur="2000">
         <p159:morph option="byObject"/>
       </p:transition>
     </mc:Choice>
-    <mc:Fallback>
+    <mc:Fallback xmlns="">
       <p:transition spd="slow">
         <p:fade/>
       </p:transition>
@@ -6675,6 +6937,268 @@
           </a:p>
         </p:txBody>
       </p:sp>
+      <p:sp>
+        <p:nvSpPr>
+          <p:cNvPr id="45" name="TextBox 44">
+            <a:extLst>
+              <a:ext uri="{FF2B5EF4-FFF2-40B4-BE49-F238E27FC236}">
+                <a16:creationId xmlns:a16="http://schemas.microsoft.com/office/drawing/2014/main" id="{B9204196-2D68-4C57-A685-D1760505AA5B}"/>
+              </a:ext>
+            </a:extLst>
+          </p:cNvPr>
+          <p:cNvSpPr txBox="1"/>
+          <p:nvPr/>
+        </p:nvSpPr>
+        <p:spPr>
+          <a:xfrm>
+            <a:off x="3264946" y="1347931"/>
+            <a:ext cx="6096000" cy="338554"/>
+          </a:xfrm>
+          <a:prstGeom prst="rect">
+            <a:avLst/>
+          </a:prstGeom>
+          <a:noFill/>
+        </p:spPr>
+        <p:txBody>
+          <a:bodyPr wrap="square">
+            <a:spAutoFit/>
+          </a:bodyPr>
+          <a:lstStyle/>
+          <a:p>
+            <a:r>
+              <a:rPr lang="ko-KR" altLang="en-US" sz="1600" dirty="0">
+                <a:solidFill>
+                  <a:schemeClr val="bg1">
+                    <a:lumMod val="50000"/>
+                    <a:lumOff val="50000"/>
+                  </a:schemeClr>
+                </a:solidFill>
+              </a:rPr>
+              <a:t>(</a:t>
+            </a:r>
+            <a:r>
+              <a:rPr lang="ko-KR" altLang="en-US" sz="1600" dirty="0" err="1">
+                <a:solidFill>
+                  <a:schemeClr val="bg1">
+                    <a:lumMod val="50000"/>
+                    <a:lumOff val="50000"/>
+                  </a:schemeClr>
+                </a:solidFill>
+              </a:rPr>
+              <a:t>This</a:t>
+            </a:r>
+            <a:r>
+              <a:rPr lang="ko-KR" altLang="en-US" sz="1600" dirty="0">
+                <a:solidFill>
+                  <a:schemeClr val="bg1">
+                    <a:lumMod val="50000"/>
+                    <a:lumOff val="50000"/>
+                  </a:schemeClr>
+                </a:solidFill>
+              </a:rPr>
+              <a:t> </a:t>
+            </a:r>
+            <a:r>
+              <a:rPr lang="ko-KR" altLang="en-US" sz="1600" dirty="0" err="1">
+                <a:solidFill>
+                  <a:schemeClr val="bg1">
+                    <a:lumMod val="50000"/>
+                    <a:lumOff val="50000"/>
+                  </a:schemeClr>
+                </a:solidFill>
+              </a:rPr>
+              <a:t>is</a:t>
+            </a:r>
+            <a:r>
+              <a:rPr lang="ko-KR" altLang="en-US" sz="1600" dirty="0">
+                <a:solidFill>
+                  <a:schemeClr val="bg1">
+                    <a:lumMod val="50000"/>
+                    <a:lumOff val="50000"/>
+                  </a:schemeClr>
+                </a:solidFill>
+              </a:rPr>
+              <a:t> </a:t>
+            </a:r>
+            <a:r>
+              <a:rPr lang="ko-KR" altLang="en-US" sz="1600" dirty="0" err="1">
+                <a:solidFill>
+                  <a:schemeClr val="bg1">
+                    <a:lumMod val="50000"/>
+                    <a:lumOff val="50000"/>
+                  </a:schemeClr>
+                </a:solidFill>
+              </a:rPr>
+              <a:t>just</a:t>
+            </a:r>
+            <a:r>
+              <a:rPr lang="ko-KR" altLang="en-US" sz="1600" dirty="0">
+                <a:solidFill>
+                  <a:schemeClr val="bg1">
+                    <a:lumMod val="50000"/>
+                    <a:lumOff val="50000"/>
+                  </a:schemeClr>
+                </a:solidFill>
+              </a:rPr>
+              <a:t> </a:t>
+            </a:r>
+            <a:r>
+              <a:rPr lang="ko-KR" altLang="en-US" sz="1600" dirty="0" err="1">
+                <a:solidFill>
+                  <a:schemeClr val="bg1">
+                    <a:lumMod val="50000"/>
+                    <a:lumOff val="50000"/>
+                  </a:schemeClr>
+                </a:solidFill>
+              </a:rPr>
+              <a:t>example</a:t>
+            </a:r>
+            <a:r>
+              <a:rPr lang="ko-KR" altLang="en-US" sz="1600" dirty="0">
+                <a:solidFill>
+                  <a:schemeClr val="bg1">
+                    <a:lumMod val="50000"/>
+                    <a:lumOff val="50000"/>
+                  </a:schemeClr>
+                </a:solidFill>
+              </a:rPr>
+              <a:t>. </a:t>
+            </a:r>
+            <a:r>
+              <a:rPr lang="ko-KR" altLang="en-US" sz="1600" dirty="0" err="1">
+                <a:solidFill>
+                  <a:schemeClr val="bg1">
+                    <a:lumMod val="50000"/>
+                    <a:lumOff val="50000"/>
+                  </a:schemeClr>
+                </a:solidFill>
+              </a:rPr>
+              <a:t>It</a:t>
+            </a:r>
+            <a:r>
+              <a:rPr lang="ko-KR" altLang="en-US" sz="1600" dirty="0">
+                <a:solidFill>
+                  <a:schemeClr val="bg1">
+                    <a:lumMod val="50000"/>
+                    <a:lumOff val="50000"/>
+                  </a:schemeClr>
+                </a:solidFill>
+              </a:rPr>
+              <a:t> </a:t>
+            </a:r>
+            <a:r>
+              <a:rPr lang="ko-KR" altLang="en-US" sz="1600" dirty="0" err="1">
+                <a:solidFill>
+                  <a:schemeClr val="bg1">
+                    <a:lumMod val="50000"/>
+                    <a:lumOff val="50000"/>
+                  </a:schemeClr>
+                </a:solidFill>
+              </a:rPr>
+              <a:t>may</a:t>
+            </a:r>
+            <a:r>
+              <a:rPr lang="ko-KR" altLang="en-US" sz="1600" dirty="0">
+                <a:solidFill>
+                  <a:schemeClr val="bg1">
+                    <a:lumMod val="50000"/>
+                    <a:lumOff val="50000"/>
+                  </a:schemeClr>
+                </a:solidFill>
+              </a:rPr>
+              <a:t> </a:t>
+            </a:r>
+            <a:r>
+              <a:rPr lang="ko-KR" altLang="en-US" sz="1600" dirty="0" err="1">
+                <a:solidFill>
+                  <a:schemeClr val="bg1">
+                    <a:lumMod val="50000"/>
+                    <a:lumOff val="50000"/>
+                  </a:schemeClr>
+                </a:solidFill>
+              </a:rPr>
+              <a:t>differ</a:t>
+            </a:r>
+            <a:r>
+              <a:rPr lang="ko-KR" altLang="en-US" sz="1600" dirty="0">
+                <a:solidFill>
+                  <a:schemeClr val="bg1">
+                    <a:lumMod val="50000"/>
+                    <a:lumOff val="50000"/>
+                  </a:schemeClr>
+                </a:solidFill>
+              </a:rPr>
+              <a:t> </a:t>
+            </a:r>
+            <a:r>
+              <a:rPr lang="ko-KR" altLang="en-US" sz="1600" dirty="0" err="1">
+                <a:solidFill>
+                  <a:schemeClr val="bg1">
+                    <a:lumMod val="50000"/>
+                    <a:lumOff val="50000"/>
+                  </a:schemeClr>
+                </a:solidFill>
+              </a:rPr>
+              <a:t>from</a:t>
+            </a:r>
+            <a:r>
+              <a:rPr lang="ko-KR" altLang="en-US" sz="1600" dirty="0">
+                <a:solidFill>
+                  <a:schemeClr val="bg1">
+                    <a:lumMod val="50000"/>
+                    <a:lumOff val="50000"/>
+                  </a:schemeClr>
+                </a:solidFill>
+              </a:rPr>
+              <a:t> </a:t>
+            </a:r>
+            <a:r>
+              <a:rPr lang="ko-KR" altLang="en-US" sz="1600" dirty="0" err="1">
+                <a:solidFill>
+                  <a:schemeClr val="bg1">
+                    <a:lumMod val="50000"/>
+                    <a:lumOff val="50000"/>
+                  </a:schemeClr>
+                </a:solidFill>
+              </a:rPr>
+              <a:t>the</a:t>
+            </a:r>
+            <a:r>
+              <a:rPr lang="ko-KR" altLang="en-US" sz="1600" dirty="0">
+                <a:solidFill>
+                  <a:schemeClr val="bg1">
+                    <a:lumMod val="50000"/>
+                    <a:lumOff val="50000"/>
+                  </a:schemeClr>
+                </a:solidFill>
+              </a:rPr>
+              <a:t> </a:t>
+            </a:r>
+            <a:r>
+              <a:rPr lang="ko-KR" altLang="en-US" sz="1600" dirty="0" err="1">
+                <a:solidFill>
+                  <a:schemeClr val="bg1">
+                    <a:lumMod val="50000"/>
+                    <a:lumOff val="50000"/>
+                  </a:schemeClr>
+                </a:solidFill>
+              </a:rPr>
+              <a:t>actual</a:t>
+            </a:r>
+            <a:r>
+              <a:rPr lang="ko-KR" altLang="en-US" sz="1600" dirty="0">
+                <a:solidFill>
+                  <a:schemeClr val="bg1">
+                    <a:lumMod val="50000"/>
+                    <a:lumOff val="50000"/>
+                  </a:schemeClr>
+                </a:solidFill>
+              </a:rPr>
+              <a:t>.)</a:t>
+            </a:r>
+          </a:p>
+        </p:txBody>
+      </p:sp>
     </p:spTree>
     <p:extLst>
       <p:ext uri="{BB962C8B-B14F-4D97-AF65-F5344CB8AC3E}">
@@ -6685,13 +7209,13 @@
   <p:clrMapOvr>
     <a:masterClrMapping/>
   </p:clrMapOvr>
-  <mc:AlternateContent xmlns:mc="http://schemas.openxmlformats.org/markup-compatibility/2006">
-    <mc:Choice xmlns:p159="http://schemas.microsoft.com/office/powerpoint/2015/09/main" Requires="p159">
+  <mc:AlternateContent xmlns:mc="http://schemas.openxmlformats.org/markup-compatibility/2006" xmlns:p159="http://schemas.microsoft.com/office/powerpoint/2015/09/main">
+    <mc:Choice Requires="p159">
       <p:transition xmlns:p14="http://schemas.microsoft.com/office/powerpoint/2010/main" spd="slow" p14:dur="2000">
         <p159:morph option="byObject"/>
       </p:transition>
     </mc:Choice>
-    <mc:Fallback>
+    <mc:Fallback xmlns="">
       <p:transition spd="slow">
         <p:fade/>
       </p:transition>
@@ -8163,6 +8687,268 @@
           </a:p>
         </p:txBody>
       </p:sp>
+      <p:sp>
+        <p:nvSpPr>
+          <p:cNvPr id="49" name="TextBox 48">
+            <a:extLst>
+              <a:ext uri="{FF2B5EF4-FFF2-40B4-BE49-F238E27FC236}">
+                <a16:creationId xmlns:a16="http://schemas.microsoft.com/office/drawing/2014/main" id="{EE315E5F-A371-47B6-B78E-8E92F87F832E}"/>
+              </a:ext>
+            </a:extLst>
+          </p:cNvPr>
+          <p:cNvSpPr txBox="1"/>
+          <p:nvPr/>
+        </p:nvSpPr>
+        <p:spPr>
+          <a:xfrm>
+            <a:off x="3264946" y="1347931"/>
+            <a:ext cx="6096000" cy="338554"/>
+          </a:xfrm>
+          <a:prstGeom prst="rect">
+            <a:avLst/>
+          </a:prstGeom>
+          <a:noFill/>
+        </p:spPr>
+        <p:txBody>
+          <a:bodyPr wrap="square">
+            <a:spAutoFit/>
+          </a:bodyPr>
+          <a:lstStyle/>
+          <a:p>
+            <a:r>
+              <a:rPr lang="ko-KR" altLang="en-US" sz="1600" dirty="0">
+                <a:solidFill>
+                  <a:schemeClr val="bg1">
+                    <a:lumMod val="50000"/>
+                    <a:lumOff val="50000"/>
+                  </a:schemeClr>
+                </a:solidFill>
+              </a:rPr>
+              <a:t>(</a:t>
+            </a:r>
+            <a:r>
+              <a:rPr lang="ko-KR" altLang="en-US" sz="1600" dirty="0" err="1">
+                <a:solidFill>
+                  <a:schemeClr val="bg1">
+                    <a:lumMod val="50000"/>
+                    <a:lumOff val="50000"/>
+                  </a:schemeClr>
+                </a:solidFill>
+              </a:rPr>
+              <a:t>This</a:t>
+            </a:r>
+            <a:r>
+              <a:rPr lang="ko-KR" altLang="en-US" sz="1600" dirty="0">
+                <a:solidFill>
+                  <a:schemeClr val="bg1">
+                    <a:lumMod val="50000"/>
+                    <a:lumOff val="50000"/>
+                  </a:schemeClr>
+                </a:solidFill>
+              </a:rPr>
+              <a:t> </a:t>
+            </a:r>
+            <a:r>
+              <a:rPr lang="ko-KR" altLang="en-US" sz="1600" dirty="0" err="1">
+                <a:solidFill>
+                  <a:schemeClr val="bg1">
+                    <a:lumMod val="50000"/>
+                    <a:lumOff val="50000"/>
+                  </a:schemeClr>
+                </a:solidFill>
+              </a:rPr>
+              <a:t>is</a:t>
+            </a:r>
+            <a:r>
+              <a:rPr lang="ko-KR" altLang="en-US" sz="1600" dirty="0">
+                <a:solidFill>
+                  <a:schemeClr val="bg1">
+                    <a:lumMod val="50000"/>
+                    <a:lumOff val="50000"/>
+                  </a:schemeClr>
+                </a:solidFill>
+              </a:rPr>
+              <a:t> </a:t>
+            </a:r>
+            <a:r>
+              <a:rPr lang="ko-KR" altLang="en-US" sz="1600" dirty="0" err="1">
+                <a:solidFill>
+                  <a:schemeClr val="bg1">
+                    <a:lumMod val="50000"/>
+                    <a:lumOff val="50000"/>
+                  </a:schemeClr>
+                </a:solidFill>
+              </a:rPr>
+              <a:t>just</a:t>
+            </a:r>
+            <a:r>
+              <a:rPr lang="ko-KR" altLang="en-US" sz="1600" dirty="0">
+                <a:solidFill>
+                  <a:schemeClr val="bg1">
+                    <a:lumMod val="50000"/>
+                    <a:lumOff val="50000"/>
+                  </a:schemeClr>
+                </a:solidFill>
+              </a:rPr>
+              <a:t> </a:t>
+            </a:r>
+            <a:r>
+              <a:rPr lang="ko-KR" altLang="en-US" sz="1600" dirty="0" err="1">
+                <a:solidFill>
+                  <a:schemeClr val="bg1">
+                    <a:lumMod val="50000"/>
+                    <a:lumOff val="50000"/>
+                  </a:schemeClr>
+                </a:solidFill>
+              </a:rPr>
+              <a:t>example</a:t>
+            </a:r>
+            <a:r>
+              <a:rPr lang="ko-KR" altLang="en-US" sz="1600" dirty="0">
+                <a:solidFill>
+                  <a:schemeClr val="bg1">
+                    <a:lumMod val="50000"/>
+                    <a:lumOff val="50000"/>
+                  </a:schemeClr>
+                </a:solidFill>
+              </a:rPr>
+              <a:t>. </a:t>
+            </a:r>
+            <a:r>
+              <a:rPr lang="ko-KR" altLang="en-US" sz="1600" dirty="0" err="1">
+                <a:solidFill>
+                  <a:schemeClr val="bg1">
+                    <a:lumMod val="50000"/>
+                    <a:lumOff val="50000"/>
+                  </a:schemeClr>
+                </a:solidFill>
+              </a:rPr>
+              <a:t>It</a:t>
+            </a:r>
+            <a:r>
+              <a:rPr lang="ko-KR" altLang="en-US" sz="1600" dirty="0">
+                <a:solidFill>
+                  <a:schemeClr val="bg1">
+                    <a:lumMod val="50000"/>
+                    <a:lumOff val="50000"/>
+                  </a:schemeClr>
+                </a:solidFill>
+              </a:rPr>
+              <a:t> </a:t>
+            </a:r>
+            <a:r>
+              <a:rPr lang="ko-KR" altLang="en-US" sz="1600" dirty="0" err="1">
+                <a:solidFill>
+                  <a:schemeClr val="bg1">
+                    <a:lumMod val="50000"/>
+                    <a:lumOff val="50000"/>
+                  </a:schemeClr>
+                </a:solidFill>
+              </a:rPr>
+              <a:t>may</a:t>
+            </a:r>
+            <a:r>
+              <a:rPr lang="ko-KR" altLang="en-US" sz="1600" dirty="0">
+                <a:solidFill>
+                  <a:schemeClr val="bg1">
+                    <a:lumMod val="50000"/>
+                    <a:lumOff val="50000"/>
+                  </a:schemeClr>
+                </a:solidFill>
+              </a:rPr>
+              <a:t> </a:t>
+            </a:r>
+            <a:r>
+              <a:rPr lang="ko-KR" altLang="en-US" sz="1600" dirty="0" err="1">
+                <a:solidFill>
+                  <a:schemeClr val="bg1">
+                    <a:lumMod val="50000"/>
+                    <a:lumOff val="50000"/>
+                  </a:schemeClr>
+                </a:solidFill>
+              </a:rPr>
+              <a:t>differ</a:t>
+            </a:r>
+            <a:r>
+              <a:rPr lang="ko-KR" altLang="en-US" sz="1600" dirty="0">
+                <a:solidFill>
+                  <a:schemeClr val="bg1">
+                    <a:lumMod val="50000"/>
+                    <a:lumOff val="50000"/>
+                  </a:schemeClr>
+                </a:solidFill>
+              </a:rPr>
+              <a:t> </a:t>
+            </a:r>
+            <a:r>
+              <a:rPr lang="ko-KR" altLang="en-US" sz="1600" dirty="0" err="1">
+                <a:solidFill>
+                  <a:schemeClr val="bg1">
+                    <a:lumMod val="50000"/>
+                    <a:lumOff val="50000"/>
+                  </a:schemeClr>
+                </a:solidFill>
+              </a:rPr>
+              <a:t>from</a:t>
+            </a:r>
+            <a:r>
+              <a:rPr lang="ko-KR" altLang="en-US" sz="1600" dirty="0">
+                <a:solidFill>
+                  <a:schemeClr val="bg1">
+                    <a:lumMod val="50000"/>
+                    <a:lumOff val="50000"/>
+                  </a:schemeClr>
+                </a:solidFill>
+              </a:rPr>
+              <a:t> </a:t>
+            </a:r>
+            <a:r>
+              <a:rPr lang="ko-KR" altLang="en-US" sz="1600" dirty="0" err="1">
+                <a:solidFill>
+                  <a:schemeClr val="bg1">
+                    <a:lumMod val="50000"/>
+                    <a:lumOff val="50000"/>
+                  </a:schemeClr>
+                </a:solidFill>
+              </a:rPr>
+              <a:t>the</a:t>
+            </a:r>
+            <a:r>
+              <a:rPr lang="ko-KR" altLang="en-US" sz="1600" dirty="0">
+                <a:solidFill>
+                  <a:schemeClr val="bg1">
+                    <a:lumMod val="50000"/>
+                    <a:lumOff val="50000"/>
+                  </a:schemeClr>
+                </a:solidFill>
+              </a:rPr>
+              <a:t> </a:t>
+            </a:r>
+            <a:r>
+              <a:rPr lang="ko-KR" altLang="en-US" sz="1600" dirty="0" err="1">
+                <a:solidFill>
+                  <a:schemeClr val="bg1">
+                    <a:lumMod val="50000"/>
+                    <a:lumOff val="50000"/>
+                  </a:schemeClr>
+                </a:solidFill>
+              </a:rPr>
+              <a:t>actual</a:t>
+            </a:r>
+            <a:r>
+              <a:rPr lang="ko-KR" altLang="en-US" sz="1600" dirty="0">
+                <a:solidFill>
+                  <a:schemeClr val="bg1">
+                    <a:lumMod val="50000"/>
+                    <a:lumOff val="50000"/>
+                  </a:schemeClr>
+                </a:solidFill>
+              </a:rPr>
+              <a:t>.)</a:t>
+            </a:r>
+          </a:p>
+        </p:txBody>
+      </p:sp>
     </p:spTree>
     <p:extLst>
       <p:ext uri="{BB962C8B-B14F-4D97-AF65-F5344CB8AC3E}">
@@ -8173,13 +8959,13 @@
   <p:clrMapOvr>
     <a:masterClrMapping/>
   </p:clrMapOvr>
-  <mc:AlternateContent xmlns:mc="http://schemas.openxmlformats.org/markup-compatibility/2006">
-    <mc:Choice xmlns:p159="http://schemas.microsoft.com/office/powerpoint/2015/09/main" Requires="p159">
+  <mc:AlternateContent xmlns:mc="http://schemas.openxmlformats.org/markup-compatibility/2006" xmlns:p159="http://schemas.microsoft.com/office/powerpoint/2015/09/main">
+    <mc:Choice Requires="p159">
       <p:transition xmlns:p14="http://schemas.microsoft.com/office/powerpoint/2010/main" spd="slow" p14:dur="2000">
         <p159:morph option="byObject"/>
       </p:transition>
     </mc:Choice>
-    <mc:Fallback>
+    <mc:Fallback xmlns="">
       <p:transition spd="slow">
         <p:fade/>
       </p:transition>
@@ -8875,6 +9661,60 @@
           </a:p>
         </p:txBody>
       </p:sp>
+      <p:sp>
+        <p:nvSpPr>
+          <p:cNvPr id="5" name="TextBox 4">
+            <a:extLst>
+              <a:ext uri="{FF2B5EF4-FFF2-40B4-BE49-F238E27FC236}">
+                <a16:creationId xmlns:a16="http://schemas.microsoft.com/office/drawing/2014/main" id="{3FEB7B10-2A5B-4AD9-9748-074A1725ECB1}"/>
+              </a:ext>
+            </a:extLst>
+          </p:cNvPr>
+          <p:cNvSpPr txBox="1"/>
+          <p:nvPr/>
+        </p:nvSpPr>
+        <p:spPr>
+          <a:xfrm>
+            <a:off x="296881" y="6253794"/>
+            <a:ext cx="6096000" cy="338554"/>
+          </a:xfrm>
+          <a:prstGeom prst="rect">
+            <a:avLst/>
+          </a:prstGeom>
+          <a:noFill/>
+        </p:spPr>
+        <p:txBody>
+          <a:bodyPr wrap="square">
+            <a:spAutoFit/>
+          </a:bodyPr>
+          <a:lstStyle/>
+          <a:p>
+            <a:r>
+              <a:rPr lang="en-US" altLang="ko-KR" sz="1600" dirty="0">
+                <a:solidFill>
+                  <a:schemeClr val="bg1">
+                    <a:lumMod val="50000"/>
+                    <a:lumOff val="50000"/>
+                  </a:schemeClr>
+                </a:solidFill>
+                <a:latin typeface="배달의민족 도현" panose="020B0600000101010101" pitchFamily="50" charset="-127"/>
+                <a:ea typeface="배달의민족 도현" panose="020B0600000101010101" pitchFamily="50" charset="-127"/>
+              </a:rPr>
+              <a:t>Image Source : Hackers (Android)</a:t>
+            </a:r>
+            <a:endParaRPr lang="ko-KR" altLang="en-US" sz="1600" dirty="0">
+              <a:solidFill>
+                <a:schemeClr val="bg1">
+                  <a:lumMod val="50000"/>
+                  <a:lumOff val="50000"/>
+                </a:schemeClr>
+              </a:solidFill>
+              <a:latin typeface="배달의민족 도현" panose="020B0600000101010101" pitchFamily="50" charset="-127"/>
+              <a:ea typeface="배달의민족 도현" panose="020B0600000101010101" pitchFamily="50" charset="-127"/>
+            </a:endParaRPr>
+          </a:p>
+        </p:txBody>
+      </p:sp>
     </p:spTree>
     <p:extLst>
       <p:ext uri="{BB962C8B-B14F-4D97-AF65-F5344CB8AC3E}">
@@ -8885,13 +9725,13 @@
   <p:clrMapOvr>
     <a:masterClrMapping/>
   </p:clrMapOvr>
-  <mc:AlternateContent xmlns:mc="http://schemas.openxmlformats.org/markup-compatibility/2006">
-    <mc:Choice xmlns:p159="http://schemas.microsoft.com/office/powerpoint/2015/09/main" Requires="p159">
+  <mc:AlternateContent xmlns:mc="http://schemas.openxmlformats.org/markup-compatibility/2006" xmlns:p159="http://schemas.microsoft.com/office/powerpoint/2015/09/main">
+    <mc:Choice Requires="p159">
       <p:transition xmlns:p14="http://schemas.microsoft.com/office/powerpoint/2010/main" spd="slow" p14:dur="2000">
         <p159:morph option="byObject"/>
       </p:transition>
     </mc:Choice>
-    <mc:Fallback>
+    <mc:Fallback xmlns="">
       <p:transition spd="slow">
         <p:fade/>
       </p:transition>
@@ -15685,6 +16525,268 @@
                 <a:ea typeface="배달의민족 도현" panose="020B0600000101010101" pitchFamily="50" charset="-127"/>
               </a:rPr>
               <a:t>○○○○○○○●○○○○○○</a:t>
+            </a:r>
+          </a:p>
+        </p:txBody>
+      </p:sp>
+      <p:sp>
+        <p:nvSpPr>
+          <p:cNvPr id="44" name="TextBox 43">
+            <a:extLst>
+              <a:ext uri="{FF2B5EF4-FFF2-40B4-BE49-F238E27FC236}">
+                <a16:creationId xmlns:a16="http://schemas.microsoft.com/office/drawing/2014/main" id="{69A989A8-C845-415E-A333-632B37C8406C}"/>
+              </a:ext>
+            </a:extLst>
+          </p:cNvPr>
+          <p:cNvSpPr txBox="1"/>
+          <p:nvPr/>
+        </p:nvSpPr>
+        <p:spPr>
+          <a:xfrm>
+            <a:off x="3264946" y="1347931"/>
+            <a:ext cx="6096000" cy="338554"/>
+          </a:xfrm>
+          <a:prstGeom prst="rect">
+            <a:avLst/>
+          </a:prstGeom>
+          <a:noFill/>
+        </p:spPr>
+        <p:txBody>
+          <a:bodyPr wrap="square">
+            <a:spAutoFit/>
+          </a:bodyPr>
+          <a:lstStyle/>
+          <a:p>
+            <a:r>
+              <a:rPr lang="ko-KR" altLang="en-US" sz="1600" dirty="0">
+                <a:solidFill>
+                  <a:schemeClr val="bg1">
+                    <a:lumMod val="50000"/>
+                    <a:lumOff val="50000"/>
+                  </a:schemeClr>
+                </a:solidFill>
+              </a:rPr>
+              <a:t>(</a:t>
+            </a:r>
+            <a:r>
+              <a:rPr lang="ko-KR" altLang="en-US" sz="1600" dirty="0" err="1">
+                <a:solidFill>
+                  <a:schemeClr val="bg1">
+                    <a:lumMod val="50000"/>
+                    <a:lumOff val="50000"/>
+                  </a:schemeClr>
+                </a:solidFill>
+              </a:rPr>
+              <a:t>This</a:t>
+            </a:r>
+            <a:r>
+              <a:rPr lang="ko-KR" altLang="en-US" sz="1600" dirty="0">
+                <a:solidFill>
+                  <a:schemeClr val="bg1">
+                    <a:lumMod val="50000"/>
+                    <a:lumOff val="50000"/>
+                  </a:schemeClr>
+                </a:solidFill>
+              </a:rPr>
+              <a:t> </a:t>
+            </a:r>
+            <a:r>
+              <a:rPr lang="ko-KR" altLang="en-US" sz="1600" dirty="0" err="1">
+                <a:solidFill>
+                  <a:schemeClr val="bg1">
+                    <a:lumMod val="50000"/>
+                    <a:lumOff val="50000"/>
+                  </a:schemeClr>
+                </a:solidFill>
+              </a:rPr>
+              <a:t>is</a:t>
+            </a:r>
+            <a:r>
+              <a:rPr lang="ko-KR" altLang="en-US" sz="1600" dirty="0">
+                <a:solidFill>
+                  <a:schemeClr val="bg1">
+                    <a:lumMod val="50000"/>
+                    <a:lumOff val="50000"/>
+                  </a:schemeClr>
+                </a:solidFill>
+              </a:rPr>
+              <a:t> </a:t>
+            </a:r>
+            <a:r>
+              <a:rPr lang="ko-KR" altLang="en-US" sz="1600" dirty="0" err="1">
+                <a:solidFill>
+                  <a:schemeClr val="bg1">
+                    <a:lumMod val="50000"/>
+                    <a:lumOff val="50000"/>
+                  </a:schemeClr>
+                </a:solidFill>
+              </a:rPr>
+              <a:t>just</a:t>
+            </a:r>
+            <a:r>
+              <a:rPr lang="ko-KR" altLang="en-US" sz="1600" dirty="0">
+                <a:solidFill>
+                  <a:schemeClr val="bg1">
+                    <a:lumMod val="50000"/>
+                    <a:lumOff val="50000"/>
+                  </a:schemeClr>
+                </a:solidFill>
+              </a:rPr>
+              <a:t> </a:t>
+            </a:r>
+            <a:r>
+              <a:rPr lang="ko-KR" altLang="en-US" sz="1600" dirty="0" err="1">
+                <a:solidFill>
+                  <a:schemeClr val="bg1">
+                    <a:lumMod val="50000"/>
+                    <a:lumOff val="50000"/>
+                  </a:schemeClr>
+                </a:solidFill>
+              </a:rPr>
+              <a:t>example</a:t>
+            </a:r>
+            <a:r>
+              <a:rPr lang="ko-KR" altLang="en-US" sz="1600" dirty="0">
+                <a:solidFill>
+                  <a:schemeClr val="bg1">
+                    <a:lumMod val="50000"/>
+                    <a:lumOff val="50000"/>
+                  </a:schemeClr>
+                </a:solidFill>
+              </a:rPr>
+              <a:t>. </a:t>
+            </a:r>
+            <a:r>
+              <a:rPr lang="ko-KR" altLang="en-US" sz="1600" dirty="0" err="1">
+                <a:solidFill>
+                  <a:schemeClr val="bg1">
+                    <a:lumMod val="50000"/>
+                    <a:lumOff val="50000"/>
+                  </a:schemeClr>
+                </a:solidFill>
+              </a:rPr>
+              <a:t>It</a:t>
+            </a:r>
+            <a:r>
+              <a:rPr lang="ko-KR" altLang="en-US" sz="1600" dirty="0">
+                <a:solidFill>
+                  <a:schemeClr val="bg1">
+                    <a:lumMod val="50000"/>
+                    <a:lumOff val="50000"/>
+                  </a:schemeClr>
+                </a:solidFill>
+              </a:rPr>
+              <a:t> </a:t>
+            </a:r>
+            <a:r>
+              <a:rPr lang="ko-KR" altLang="en-US" sz="1600" dirty="0" err="1">
+                <a:solidFill>
+                  <a:schemeClr val="bg1">
+                    <a:lumMod val="50000"/>
+                    <a:lumOff val="50000"/>
+                  </a:schemeClr>
+                </a:solidFill>
+              </a:rPr>
+              <a:t>may</a:t>
+            </a:r>
+            <a:r>
+              <a:rPr lang="ko-KR" altLang="en-US" sz="1600" dirty="0">
+                <a:solidFill>
+                  <a:schemeClr val="bg1">
+                    <a:lumMod val="50000"/>
+                    <a:lumOff val="50000"/>
+                  </a:schemeClr>
+                </a:solidFill>
+              </a:rPr>
+              <a:t> </a:t>
+            </a:r>
+            <a:r>
+              <a:rPr lang="ko-KR" altLang="en-US" sz="1600" dirty="0" err="1">
+                <a:solidFill>
+                  <a:schemeClr val="bg1">
+                    <a:lumMod val="50000"/>
+                    <a:lumOff val="50000"/>
+                  </a:schemeClr>
+                </a:solidFill>
+              </a:rPr>
+              <a:t>differ</a:t>
+            </a:r>
+            <a:r>
+              <a:rPr lang="ko-KR" altLang="en-US" sz="1600" dirty="0">
+                <a:solidFill>
+                  <a:schemeClr val="bg1">
+                    <a:lumMod val="50000"/>
+                    <a:lumOff val="50000"/>
+                  </a:schemeClr>
+                </a:solidFill>
+              </a:rPr>
+              <a:t> </a:t>
+            </a:r>
+            <a:r>
+              <a:rPr lang="ko-KR" altLang="en-US" sz="1600" dirty="0" err="1">
+                <a:solidFill>
+                  <a:schemeClr val="bg1">
+                    <a:lumMod val="50000"/>
+                    <a:lumOff val="50000"/>
+                  </a:schemeClr>
+                </a:solidFill>
+              </a:rPr>
+              <a:t>from</a:t>
+            </a:r>
+            <a:r>
+              <a:rPr lang="ko-KR" altLang="en-US" sz="1600" dirty="0">
+                <a:solidFill>
+                  <a:schemeClr val="bg1">
+                    <a:lumMod val="50000"/>
+                    <a:lumOff val="50000"/>
+                  </a:schemeClr>
+                </a:solidFill>
+              </a:rPr>
+              <a:t> </a:t>
+            </a:r>
+            <a:r>
+              <a:rPr lang="ko-KR" altLang="en-US" sz="1600" dirty="0" err="1">
+                <a:solidFill>
+                  <a:schemeClr val="bg1">
+                    <a:lumMod val="50000"/>
+                    <a:lumOff val="50000"/>
+                  </a:schemeClr>
+                </a:solidFill>
+              </a:rPr>
+              <a:t>the</a:t>
+            </a:r>
+            <a:r>
+              <a:rPr lang="ko-KR" altLang="en-US" sz="1600" dirty="0">
+                <a:solidFill>
+                  <a:schemeClr val="bg1">
+                    <a:lumMod val="50000"/>
+                    <a:lumOff val="50000"/>
+                  </a:schemeClr>
+                </a:solidFill>
+              </a:rPr>
+              <a:t> </a:t>
+            </a:r>
+            <a:r>
+              <a:rPr lang="ko-KR" altLang="en-US" sz="1600" dirty="0" err="1">
+                <a:solidFill>
+                  <a:schemeClr val="bg1">
+                    <a:lumMod val="50000"/>
+                    <a:lumOff val="50000"/>
+                  </a:schemeClr>
+                </a:solidFill>
+              </a:rPr>
+              <a:t>actual</a:t>
+            </a:r>
+            <a:r>
+              <a:rPr lang="ko-KR" altLang="en-US" sz="1600" dirty="0">
+                <a:solidFill>
+                  <a:schemeClr val="bg1">
+                    <a:lumMod val="50000"/>
+                    <a:lumOff val="50000"/>
+                  </a:schemeClr>
+                </a:solidFill>
+              </a:rPr>
+              <a:t>.)</a:t>
             </a:r>
           </a:p>
         </p:txBody>
